--- a/Cartographie.pptx
+++ b/Cartographie.pptx
@@ -120,7 +120,7 @@
 <file path=ppt/revisionInfo.xml><?xml version="1.0" encoding="utf-8"?>
 <p1510:revInfo xmlns:a="http://schemas.openxmlformats.org/drawingml/2006/main" xmlns:r="http://schemas.openxmlformats.org/officeDocument/2006/relationships" xmlns:p1510="http://schemas.microsoft.com/office/powerpoint/2015/10/main">
   <p1510:revLst>
-    <p1510:client id="{834969FF-0F98-49B1-8126-01F38F8F31DC}" v="27" dt="2024-01-24T14:39:41.050"/>
+    <p1510:client id="{834969FF-0F98-49B1-8126-01F38F8F31DC}" v="30" dt="2024-01-24T14:56:07.249"/>
   </p1510:revLst>
 </p1510:revInfo>
 </file>
@@ -489,7 +489,7 @@
   <pc:docChgLst>
     <pc:chgData name="Alexandre Favre" userId="748b27fbe7958d5e" providerId="LiveId" clId="{834969FF-0F98-49B1-8126-01F38F8F31DC}"/>
     <pc:docChg chg="undo custSel addSld delSld modSld sldOrd">
-      <pc:chgData name="Alexandre Favre" userId="748b27fbe7958d5e" providerId="LiveId" clId="{834969FF-0F98-49B1-8126-01F38F8F31DC}" dt="2024-01-24T14:42:05.582" v="938" actId="2696"/>
+      <pc:chgData name="Alexandre Favre" userId="748b27fbe7958d5e" providerId="LiveId" clId="{834969FF-0F98-49B1-8126-01F38F8F31DC}" dt="2024-01-24T14:56:28.258" v="1010" actId="14100"/>
       <pc:docMkLst>
         <pc:docMk/>
       </pc:docMkLst>
@@ -512,6 +512,53 @@
             <pc:docMk/>
             <pc:sldMk cId="3991760464" sldId="259"/>
             <ac:picMk id="6" creationId="{74324E8E-81BC-4D03-8C2C-8423FB5DAFD9}"/>
+          </ac:picMkLst>
+        </pc:picChg>
+      </pc:sldChg>
+      <pc:sldChg chg="addSp modSp mod">
+        <pc:chgData name="Alexandre Favre" userId="748b27fbe7958d5e" providerId="LiveId" clId="{834969FF-0F98-49B1-8126-01F38F8F31DC}" dt="2024-01-24T14:56:28.258" v="1010" actId="14100"/>
+        <pc:sldMkLst>
+          <pc:docMk/>
+          <pc:sldMk cId="2614836783" sldId="261"/>
+        </pc:sldMkLst>
+        <pc:spChg chg="add mod">
+          <ac:chgData name="Alexandre Favre" userId="748b27fbe7958d5e" providerId="LiveId" clId="{834969FF-0F98-49B1-8126-01F38F8F31DC}" dt="2024-01-24T14:54:16.355" v="949" actId="1076"/>
+          <ac:spMkLst>
+            <pc:docMk/>
+            <pc:sldMk cId="2614836783" sldId="261"/>
+            <ac:spMk id="4" creationId="{D6BD8EF8-D232-B1DE-B8F4-B4D0EDCB10F2}"/>
+          </ac:spMkLst>
+        </pc:spChg>
+        <pc:spChg chg="add mod">
+          <ac:chgData name="Alexandre Favre" userId="748b27fbe7958d5e" providerId="LiveId" clId="{834969FF-0F98-49B1-8126-01F38F8F31DC}" dt="2024-01-24T14:55:40.626" v="983" actId="1076"/>
+          <ac:spMkLst>
+            <pc:docMk/>
+            <pc:sldMk cId="2614836783" sldId="261"/>
+            <ac:spMk id="5" creationId="{6690BD28-B0A0-F1D9-E83E-B7032C06BB52}"/>
+          </ac:spMkLst>
+        </pc:spChg>
+        <pc:spChg chg="add mod">
+          <ac:chgData name="Alexandre Favre" userId="748b27fbe7958d5e" providerId="LiveId" clId="{834969FF-0F98-49B1-8126-01F38F8F31DC}" dt="2024-01-24T14:56:01.904" v="993" actId="1076"/>
+          <ac:spMkLst>
+            <pc:docMk/>
+            <pc:sldMk cId="2614836783" sldId="261"/>
+            <ac:spMk id="6" creationId="{C668E0B8-F063-DC28-91FD-86E196421290}"/>
+          </ac:spMkLst>
+        </pc:spChg>
+        <pc:spChg chg="add mod">
+          <ac:chgData name="Alexandre Favre" userId="748b27fbe7958d5e" providerId="LiveId" clId="{834969FF-0F98-49B1-8126-01F38F8F31DC}" dt="2024-01-24T14:56:28.258" v="1010" actId="14100"/>
+          <ac:spMkLst>
+            <pc:docMk/>
+            <pc:sldMk cId="2614836783" sldId="261"/>
+            <ac:spMk id="7" creationId="{49E62EC1-5F95-9F11-C2B2-7B9924A04D23}"/>
+          </ac:spMkLst>
+        </pc:spChg>
+        <pc:picChg chg="mod">
+          <ac:chgData name="Alexandre Favre" userId="748b27fbe7958d5e" providerId="LiveId" clId="{834969FF-0F98-49B1-8126-01F38F8F31DC}" dt="2024-01-24T14:48:37.410" v="939" actId="14100"/>
+          <ac:picMkLst>
+            <pc:docMk/>
+            <pc:sldMk cId="2614836783" sldId="261"/>
+            <ac:picMk id="3" creationId="{931125F6-C366-8FFC-C391-A46E56A1063E}"/>
           </ac:picMkLst>
         </pc:picChg>
       </pc:sldChg>
@@ -6299,8 +6346,8 @@
         </p:blipFill>
         <p:spPr bwMode="auto">
           <a:xfrm>
-            <a:off x="3565229" y="670560"/>
-            <a:ext cx="7986691" cy="5156455"/>
+            <a:off x="3392435" y="670560"/>
+            <a:ext cx="8159486" cy="5268017"/>
           </a:xfrm>
           <a:prstGeom prst="rect">
             <a:avLst/>
@@ -6308,6 +6355,218 @@
           <a:noFill/>
         </p:spPr>
       </p:pic>
+      <p:sp>
+        <p:nvSpPr>
+          <p:cNvPr id="4" name="Rectangle 3">
+            <a:extLst>
+              <a:ext uri="{FF2B5EF4-FFF2-40B4-BE49-F238E27FC236}">
+                <a16:creationId xmlns:a16="http://schemas.microsoft.com/office/drawing/2014/main" id="{D6BD8EF8-D232-B1DE-B8F4-B4D0EDCB10F2}"/>
+              </a:ext>
+            </a:extLst>
+          </p:cNvPr>
+          <p:cNvSpPr/>
+          <p:nvPr/>
+        </p:nvSpPr>
+        <p:spPr>
+          <a:xfrm>
+            <a:off x="5451894" y="659633"/>
+            <a:ext cx="6288657" cy="215660"/>
+          </a:xfrm>
+          <a:prstGeom prst="rect">
+            <a:avLst/>
+          </a:prstGeom>
+          <a:solidFill>
+            <a:schemeClr val="bg1"/>
+          </a:solidFill>
+          <a:ln>
+            <a:solidFill>
+              <a:schemeClr val="bg1"/>
+            </a:solidFill>
+          </a:ln>
+        </p:spPr>
+        <p:style>
+          <a:lnRef idx="2">
+            <a:schemeClr val="accent1">
+              <a:shade val="15000"/>
+            </a:schemeClr>
+          </a:lnRef>
+          <a:fillRef idx="1">
+            <a:schemeClr val="accent1"/>
+          </a:fillRef>
+          <a:effectRef idx="0">
+            <a:schemeClr val="accent1"/>
+          </a:effectRef>
+          <a:fontRef idx="minor">
+            <a:schemeClr val="lt1"/>
+          </a:fontRef>
+        </p:style>
+        <p:txBody>
+          <a:bodyPr rtlCol="0" anchor="ctr"/>
+          <a:lstStyle/>
+          <a:p>
+            <a:pPr algn="ctr"/>
+            <a:r>
+              <a:rPr lang="en-GB" sz="1800" dirty="0">
+                <a:solidFill>
+                  <a:schemeClr val="tx1"/>
+                </a:solidFill>
+                <a:effectLst/>
+                <a:latin typeface="Arial" panose="020B0604020202020204" pitchFamily="34" charset="0"/>
+                <a:ea typeface="Times New Roman" panose="02020603050405020304" pitchFamily="18" charset="0"/>
+                <a:cs typeface="Times New Roman" panose="02020603050405020304" pitchFamily="18" charset="0"/>
+              </a:rPr>
+              <a:t>Roquette Azure (</a:t>
+            </a:r>
+            <a:r>
+              <a:rPr lang="en-GB" sz="1800" dirty="0">
+                <a:solidFill>
+                  <a:schemeClr val="tx1"/>
+                </a:solidFill>
+                <a:effectLst/>
+                <a:latin typeface="Arial" panose="020B0604020202020204" pitchFamily="34" charset="0"/>
+                <a:ea typeface="Times New Roman" panose="02020603050405020304" pitchFamily="18" charset="0"/>
+              </a:rPr>
+              <a:t>Global Digital Enterprise EU subscription</a:t>
+            </a:r>
+            <a:r>
+              <a:rPr lang="en-GB" sz="1800" dirty="0">
+                <a:solidFill>
+                  <a:schemeClr val="tx1"/>
+                </a:solidFill>
+                <a:effectLst/>
+                <a:latin typeface="Arial" panose="020B0604020202020204" pitchFamily="34" charset="0"/>
+                <a:ea typeface="Times New Roman" panose="02020603050405020304" pitchFamily="18" charset="0"/>
+                <a:cs typeface="Times New Roman" panose="02020603050405020304" pitchFamily="18" charset="0"/>
+              </a:rPr>
+              <a:t>) </a:t>
+            </a:r>
+            <a:endParaRPr lang="fr-FR" dirty="0">
+              <a:solidFill>
+                <a:schemeClr val="tx1"/>
+              </a:solidFill>
+            </a:endParaRPr>
+          </a:p>
+        </p:txBody>
+      </p:sp>
+      <p:sp>
+        <p:nvSpPr>
+          <p:cNvPr id="5" name="ZoneTexte 4">
+            <a:extLst>
+              <a:ext uri="{FF2B5EF4-FFF2-40B4-BE49-F238E27FC236}">
+                <a16:creationId xmlns:a16="http://schemas.microsoft.com/office/drawing/2014/main" id="{6690BD28-B0A0-F1D9-E83E-B7032C06BB52}"/>
+              </a:ext>
+            </a:extLst>
+          </p:cNvPr>
+          <p:cNvSpPr txBox="1"/>
+          <p:nvPr/>
+        </p:nvSpPr>
+        <p:spPr>
+          <a:xfrm>
+            <a:off x="10005205" y="2855342"/>
+            <a:ext cx="1457864" cy="230832"/>
+          </a:xfrm>
+          <a:prstGeom prst="rect">
+            <a:avLst/>
+          </a:prstGeom>
+          <a:solidFill>
+            <a:schemeClr val="bg1"/>
+          </a:solidFill>
+        </p:spPr>
+        <p:txBody>
+          <a:bodyPr wrap="square" rtlCol="0">
+            <a:spAutoFit/>
+          </a:bodyPr>
+          <a:lstStyle/>
+          <a:p>
+            <a:r>
+              <a:rPr lang="fr-FR" sz="900" dirty="0" err="1"/>
+              <a:t>Iaas</a:t>
+            </a:r>
+            <a:r>
+              <a:rPr lang="fr-FR" sz="900" dirty="0"/>
+              <a:t> Prod Virtual network</a:t>
+            </a:r>
+          </a:p>
+        </p:txBody>
+      </p:sp>
+      <p:sp>
+        <p:nvSpPr>
+          <p:cNvPr id="6" name="ZoneTexte 5">
+            <a:extLst>
+              <a:ext uri="{FF2B5EF4-FFF2-40B4-BE49-F238E27FC236}">
+                <a16:creationId xmlns:a16="http://schemas.microsoft.com/office/drawing/2014/main" id="{C668E0B8-F063-DC28-91FD-86E196421290}"/>
+              </a:ext>
+            </a:extLst>
+          </p:cNvPr>
+          <p:cNvSpPr txBox="1"/>
+          <p:nvPr/>
+        </p:nvSpPr>
+        <p:spPr>
+          <a:xfrm>
+            <a:off x="9769557" y="5063347"/>
+            <a:ext cx="1677839" cy="230832"/>
+          </a:xfrm>
+          <a:prstGeom prst="rect">
+            <a:avLst/>
+          </a:prstGeom>
+          <a:solidFill>
+            <a:schemeClr val="bg1"/>
+          </a:solidFill>
+        </p:spPr>
+        <p:txBody>
+          <a:bodyPr wrap="square" rtlCol="0">
+            <a:spAutoFit/>
+          </a:bodyPr>
+          <a:lstStyle/>
+          <a:p>
+            <a:r>
+              <a:rPr lang="fr-FR" sz="900" dirty="0" err="1"/>
+              <a:t>Iaas</a:t>
+            </a:r>
+            <a:r>
+              <a:rPr lang="fr-FR" sz="900" dirty="0"/>
+              <a:t> Non-Prod Virtual network</a:t>
+            </a:r>
+          </a:p>
+        </p:txBody>
+      </p:sp>
+      <p:sp>
+        <p:nvSpPr>
+          <p:cNvPr id="7" name="ZoneTexte 6">
+            <a:extLst>
+              <a:ext uri="{FF2B5EF4-FFF2-40B4-BE49-F238E27FC236}">
+                <a16:creationId xmlns:a16="http://schemas.microsoft.com/office/drawing/2014/main" id="{49E62EC1-5F95-9F11-C2B2-7B9924A04D23}"/>
+              </a:ext>
+            </a:extLst>
+          </p:cNvPr>
+          <p:cNvSpPr txBox="1"/>
+          <p:nvPr/>
+        </p:nvSpPr>
+        <p:spPr>
+          <a:xfrm>
+            <a:off x="7073660" y="5707745"/>
+            <a:ext cx="1615438" cy="230832"/>
+          </a:xfrm>
+          <a:prstGeom prst="rect">
+            <a:avLst/>
+          </a:prstGeom>
+          <a:solidFill>
+            <a:schemeClr val="bg1"/>
+          </a:solidFill>
+        </p:spPr>
+        <p:txBody>
+          <a:bodyPr wrap="square" rtlCol="0">
+            <a:spAutoFit/>
+          </a:bodyPr>
+          <a:lstStyle/>
+          <a:p>
+            <a:r>
+              <a:rPr lang="fr-FR" sz="900" dirty="0"/>
+              <a:t>Transverse Virtual network</a:t>
+            </a:r>
+          </a:p>
+        </p:txBody>
+      </p:sp>
     </p:spTree>
     <p:extLst>
       <p:ext uri="{BB962C8B-B14F-4D97-AF65-F5344CB8AC3E}">

--- a/Cartographie.pptx
+++ b/Cartographie.pptx
@@ -489,7 +489,7 @@
   <pc:docChgLst>
     <pc:chgData name="Alexandre Favre" userId="748b27fbe7958d5e" providerId="LiveId" clId="{834969FF-0F98-49B1-8126-01F38F8F31DC}"/>
     <pc:docChg chg="undo custSel addSld delSld modSld sldOrd">
-      <pc:chgData name="Alexandre Favre" userId="748b27fbe7958d5e" providerId="LiveId" clId="{834969FF-0F98-49B1-8126-01F38F8F31DC}" dt="2024-01-24T14:56:28.258" v="1010" actId="14100"/>
+      <pc:chgData name="Alexandre Favre" userId="748b27fbe7958d5e" providerId="LiveId" clId="{834969FF-0F98-49B1-8126-01F38F8F31DC}" dt="2024-01-24T15:28:52.643" v="1016" actId="20577"/>
       <pc:docMkLst>
         <pc:docMk/>
       </pc:docMkLst>
@@ -840,7 +840,7 @@
         </pc:sldMkLst>
       </pc:sldChg>
       <pc:sldChg chg="addSp delSp modSp add mod">
-        <pc:chgData name="Alexandre Favre" userId="748b27fbe7958d5e" providerId="LiveId" clId="{834969FF-0F98-49B1-8126-01F38F8F31DC}" dt="2024-01-24T14:41:39.917" v="936" actId="1076"/>
+        <pc:chgData name="Alexandre Favre" userId="748b27fbe7958d5e" providerId="LiveId" clId="{834969FF-0F98-49B1-8126-01F38F8F31DC}" dt="2024-01-24T15:28:52.643" v="1016" actId="20577"/>
         <pc:sldMkLst>
           <pc:docMk/>
           <pc:sldMk cId="3318499003" sldId="269"/>
@@ -958,7 +958,7 @@
           </ac:spMkLst>
         </pc:spChg>
         <pc:spChg chg="add mod">
-          <ac:chgData name="Alexandre Favre" userId="748b27fbe7958d5e" providerId="LiveId" clId="{834969FF-0F98-49B1-8126-01F38F8F31DC}" dt="2024-01-24T14:41:39.917" v="936" actId="1076"/>
+          <ac:chgData name="Alexandre Favre" userId="748b27fbe7958d5e" providerId="LiveId" clId="{834969FF-0F98-49B1-8126-01F38F8F31DC}" dt="2024-01-24T15:24:32.223" v="1011" actId="20577"/>
           <ac:spMkLst>
             <pc:docMk/>
             <pc:sldMk cId="3318499003" sldId="269"/>
@@ -966,7 +966,7 @@
           </ac:spMkLst>
         </pc:spChg>
         <pc:spChg chg="add mod">
-          <ac:chgData name="Alexandre Favre" userId="748b27fbe7958d5e" providerId="LiveId" clId="{834969FF-0F98-49B1-8126-01F38F8F31DC}" dt="2024-01-24T14:41:21.212" v="932" actId="1076"/>
+          <ac:chgData name="Alexandre Favre" userId="748b27fbe7958d5e" providerId="LiveId" clId="{834969FF-0F98-49B1-8126-01F38F8F31DC}" dt="2024-01-24T15:28:52.643" v="1016" actId="20577"/>
           <ac:spMkLst>
             <pc:docMk/>
             <pc:sldMk cId="3318499003" sldId="269"/>
@@ -5388,21 +5388,8 @@
                   <a:schemeClr val="tx1"/>
                 </a:solidFill>
               </a:rPr>
-              <a:t>Gestion de la </a:t>
-            </a:r>
-            <a:r>
-              <a:rPr lang="fr-FR" sz="900" dirty="0" err="1">
-                <a:solidFill>
-                  <a:schemeClr val="tx1"/>
-                </a:solidFill>
-              </a:rPr>
-              <a:t>mainteance</a:t>
-            </a:r>
-            <a:endParaRPr lang="fr-FR" sz="900" dirty="0">
-              <a:solidFill>
-                <a:schemeClr val="tx1"/>
-              </a:solidFill>
-            </a:endParaRPr>
+              <a:t>Gestion de la maintenance</a:t>
+            </a:r>
           </a:p>
         </p:txBody>
       </p:sp>
@@ -5457,7 +5444,23 @@
                   <a:schemeClr val="tx1"/>
                 </a:solidFill>
               </a:rPr>
-              <a:t>Maintenir le system d’information</a:t>
+              <a:t>Maintenir le </a:t>
+            </a:r>
+            <a:r>
+              <a:rPr lang="fr-FR" sz="900" dirty="0" err="1">
+                <a:solidFill>
+                  <a:schemeClr val="tx1"/>
+                </a:solidFill>
+              </a:rPr>
+              <a:t>systéme</a:t>
+            </a:r>
+            <a:r>
+              <a:rPr lang="fr-FR" sz="900" dirty="0">
+                <a:solidFill>
+                  <a:schemeClr val="tx1"/>
+                </a:solidFill>
+              </a:rPr>
+              <a:t> d’information</a:t>
             </a:r>
           </a:p>
         </p:txBody>
